--- a/safeguarding/en/lessons/definitions.pptx
+++ b/safeguarding/en/lessons/definitions.pptx
@@ -260,7 +260,7 @@
           <a:p>
             <a:fld id="{CD4A716A-96FF-444E-85A3-889DB32D1FBA}" type="datetimeFigureOut">
               <a:rPr lang="ru-RU" smtClean="0"/>
-              <a:t>16.09.2024</a:t>
+              <a:t>19.09.2024</a:t>
             </a:fld>
             <a:endParaRPr lang="ru-RU"/>
           </a:p>
@@ -1094,7 +1094,7 @@
           <a:p>
             <a:fld id="{4507D0C9-DCEA-F448-A25E-CBBFA477327C}" type="datetimeFigureOut">
               <a:rPr lang="ru-RU" smtClean="0"/>
-              <a:t>16.09.2024</a:t>
+              <a:t>19.09.2024</a:t>
             </a:fld>
             <a:endParaRPr lang="ru-RU"/>
           </a:p>
@@ -1207,7 +1207,7 @@
           <a:p>
             <a:fld id="{4507D0C9-DCEA-F448-A25E-CBBFA477327C}" type="datetimeFigureOut">
               <a:rPr lang="ru-RU" smtClean="0"/>
-              <a:t>16.09.2024</a:t>
+              <a:t>19.09.2024</a:t>
             </a:fld>
             <a:endParaRPr lang="ru-RU"/>
           </a:p>
@@ -1455,7 +1455,7 @@
           <a:p>
             <a:fld id="{4507D0C9-DCEA-F448-A25E-CBBFA477327C}" type="datetimeFigureOut">
               <a:rPr lang="ru-RU" smtClean="0"/>
-              <a:t>16.09.2024</a:t>
+              <a:t>19.09.2024</a:t>
             </a:fld>
             <a:endParaRPr lang="ru-RU"/>
           </a:p>
@@ -2069,7 +2069,43 @@
                 </a:solidFill>
                 <a:effectLst/>
               </a:rPr>
-              <a:t>Safeguarding from  types of abuse for children and adults</a:t>
+              <a:t>Safeguarding from </a:t>
+            </a:r>
+            <a:r>
+              <a:rPr lang="en-US" sz="2400" b="0" i="0" u="none" strike="noStrike" dirty="0" smtClean="0">
+                <a:solidFill>
+                  <a:srgbClr val="000000"/>
+                </a:solidFill>
+                <a:effectLst/>
+              </a:rPr>
+              <a:t>different </a:t>
+            </a:r>
+            <a:r>
+              <a:rPr lang="en-US" sz="2400" b="0" i="0" u="none" strike="noStrike" dirty="0">
+                <a:solidFill>
+                  <a:srgbClr val="000000"/>
+                </a:solidFill>
+                <a:effectLst/>
+              </a:rPr>
+              <a:t>types of abuse </a:t>
+            </a:r>
+            <a:r>
+              <a:rPr lang="en-US" sz="2400" b="0" i="0" u="none" strike="noStrike" dirty="0" smtClean="0">
+                <a:solidFill>
+                  <a:srgbClr val="000000"/>
+                </a:solidFill>
+                <a:effectLst/>
+              </a:rPr>
+              <a:t>children </a:t>
+            </a:r>
+            <a:r>
+              <a:rPr lang="en-US" sz="2400" b="0" i="0" u="none" strike="noStrike" dirty="0">
+                <a:solidFill>
+                  <a:srgbClr val="000000"/>
+                </a:solidFill>
+                <a:effectLst/>
+              </a:rPr>
+              <a:t>and adults</a:t>
             </a:r>
             <a:endParaRPr lang="ru-RU" sz="6000" dirty="0">
               <a:solidFill>
@@ -2094,6 +2130,14 @@
   <p:clrMapOvr>
     <a:masterClrMapping/>
   </p:clrMapOvr>
+  <mc:AlternateContent xmlns:mc="http://schemas.openxmlformats.org/markup-compatibility/2006">
+    <mc:Choice xmlns:p14="http://schemas.microsoft.com/office/powerpoint/2010/main" Requires="p14">
+      <p:transition spd="slow" p14:dur="2000" advClick="0"/>
+    </mc:Choice>
+    <mc:Fallback>
+      <p:transition spd="slow" advClick="0"/>
+    </mc:Fallback>
+  </mc:AlternateContent>
   <p:timing>
     <p:tnLst>
       <p:par>
@@ -2344,7 +2388,7 @@
             <a:r>
               <a:rPr lang="en-US" sz="1600" b="1" dirty="0">
                 <a:solidFill>
-                  <a:srgbClr val="646468"/>
+                  <a:schemeClr val="tx1"/>
                 </a:solidFill>
                 <a:latin typeface="+mj-lt"/>
                 <a:ea typeface="Open Sans" panose="020B0606030504020204" pitchFamily="34" charset="0"/>
@@ -2453,6 +2497,14 @@
   <p:clrMapOvr>
     <a:masterClrMapping/>
   </p:clrMapOvr>
+  <mc:AlternateContent xmlns:mc="http://schemas.openxmlformats.org/markup-compatibility/2006">
+    <mc:Choice xmlns:p14="http://schemas.microsoft.com/office/powerpoint/2010/main" Requires="p14">
+      <p:transition spd="slow" p14:dur="2000" advClick="0"/>
+    </mc:Choice>
+    <mc:Fallback>
+      <p:transition spd="slow" advClick="0"/>
+    </mc:Fallback>
+  </mc:AlternateContent>
   <p:timing>
     <p:tnLst>
       <p:par>
@@ -2526,8 +2578,8 @@
         </p:nvSpPr>
         <p:spPr>
           <a:xfrm flipH="1">
-            <a:off x="6194634" y="792673"/>
-            <a:ext cx="2594421" cy="704554"/>
+            <a:off x="6194633" y="524656"/>
+            <a:ext cx="2679543" cy="972571"/>
           </a:xfrm>
           <a:prstGeom prst="wedgeRoundRectCallout">
             <a:avLst>
@@ -2865,11 +2917,11 @@
   <p:clrMapOvr>
     <a:masterClrMapping/>
   </p:clrMapOvr>
-  <mc:AlternateContent xmlns:mc="http://schemas.openxmlformats.org/markup-compatibility/2006" xmlns:p14="http://schemas.microsoft.com/office/powerpoint/2010/main">
-    <mc:Choice Requires="p14">
+  <mc:AlternateContent xmlns:mc="http://schemas.openxmlformats.org/markup-compatibility/2006">
+    <mc:Choice xmlns:p14="http://schemas.microsoft.com/office/powerpoint/2010/main" Requires="p14">
       <p:transition spd="slow" p14:dur="2000" advClick="0"/>
     </mc:Choice>
-    <mc:Fallback xmlns="">
+    <mc:Fallback>
       <p:transition spd="slow" advClick="0"/>
     </mc:Fallback>
   </mc:AlternateContent>
@@ -3198,6 +3250,14 @@
   <p:clrMapOvr>
     <a:masterClrMapping/>
   </p:clrMapOvr>
+  <mc:AlternateContent xmlns:mc="http://schemas.openxmlformats.org/markup-compatibility/2006">
+    <mc:Choice xmlns:p14="http://schemas.microsoft.com/office/powerpoint/2010/main" Requires="p14">
+      <p:transition spd="slow" p14:dur="2000" advClick="0"/>
+    </mc:Choice>
+    <mc:Fallback>
+      <p:transition spd="slow" advClick="0"/>
+    </mc:Fallback>
+  </mc:AlternateContent>
   <p:timing>
     <p:tnLst>
       <p:par>
@@ -3385,11 +3445,11 @@
   <p:clrMapOvr>
     <a:masterClrMapping/>
   </p:clrMapOvr>
-  <mc:AlternateContent xmlns:mc="http://schemas.openxmlformats.org/markup-compatibility/2006" xmlns:p14="http://schemas.microsoft.com/office/powerpoint/2010/main">
-    <mc:Choice Requires="p14">
+  <mc:AlternateContent xmlns:mc="http://schemas.openxmlformats.org/markup-compatibility/2006">
+    <mc:Choice xmlns:p14="http://schemas.microsoft.com/office/powerpoint/2010/main" Requires="p14">
       <p:transition spd="slow" p14:dur="2000" advClick="0"/>
     </mc:Choice>
-    <mc:Fallback xmlns="">
+    <mc:Fallback>
       <p:transition spd="slow" advClick="0"/>
     </mc:Fallback>
   </mc:AlternateContent>
@@ -3423,14 +3483,15 @@
   <p:tag name="ISPRING_WEBLINKS_TARGETMJT" val="_self"/>
   <p:tag name="ISPRING_UUID" val="{F313902F-63A6-4F56-8386-EA33D58D04E9}"/>
   <p:tag name="ISPRING_SCORM_PASSING_SCORE" val="80.000000"/>
-  <p:tag name="ISPRING_RESOURCE_FOLDER" val="C:\Users\pc\Desktop\Nabad\safeguarding\en\lessons\definition\"/>
-  <p:tag name="ISPRING_PRESENTATION_PATH" val="C:\Users\pc\Desktop\Nabad\safeguarding\en\lessons\definition.pptx"/>
   <p:tag name="ISPRING_ULTRA_SCORM_COURCE_TITLE" val="definitions"/>
   <p:tag name="ISPRING_PRESENTATION_TITLE" val="definitions"/>
   <p:tag name="ISPRING_SCREEN_RECS_UPDATED" val="C:\Users\pc\Desktop\Nabad\safeguarding\en\lessons\definition\"/>
   <p:tag name="ISPRING-SUITE_ISPRING_PLAYERS_CUSTOMIZATION_2" val="{&quot;universal&quot;:{&quot;skinSettings&quot;:{&quot;borderRadius&quot;:10,&quot;colors&quot;:{&quot;asideBackground&quot;:{&quot;color&quot;:&quot;#EA7540&quot;,&quot;opacity&quot;:1,&quot;type&quot;:&quot;SOLID&quot;},&quot;asideElementBackgroundActive&quot;:{&quot;color&quot;:&quot;#414141&quot;,&quot;opacity&quot;:1,&quot;type&quot;:&quot;SOLID&quot;},&quot;asideElementBackgroundHover&quot;:{&quot;color&quot;:&quot;#FDAA84&quot;,&quot;opacity&quot;:1,&quot;type&quot;:&quot;SOLID&quot;},&quot;asideElementText&quot;:{&quot;color&quot;:&quot;#261813&quot;,&quot;opacity&quot;:1,&quot;type&quot;:&quot;SOLID&quot;},&quot;asideElementTextActive&quot;:{&quot;color&quot;:&quot;#FFFFFF&quot;,&quot;opacity&quot;:1,&quot;type&quot;:&quot;SOLID&quot;},&quot;asideElementTextHover&quot;:{&quot;color&quot;:&quot;#261813&quot;,&quot;opacity&quot;:1,&quot;type&quot;:&quot;SOLID&quot;},&quot;asideLogoBackground&quot;:{&quot;color&quot;:&quot;#EFF1F2&quot;,&quot;opacity&quot;:1,&quot;type&quot;:&quot;SOLID&quot;},&quot;pageBackground&quot;:{&quot;color&quot;:&quot;#F4E9E5&quot;,&quot;opacity&quot;:1,&quot;type&quot;:&quot;SOLID&quot;},&quot;playerBackground&quot;:{&quot;color&quot;:&quot;#FFFFFF&quot;,&quot;opacity&quot;:1,&quot;type&quot;:&quot;SOLID&quot;},&quot;playerText&quot;:{&quot;color&quot;:&quot;#616870&quot;,&quot;opacity&quot;:1,&quot;type&quot;:&quot;SOLID&quot;},&quot;primaryButtonBackground&quot;:{&quot;color&quot;:&quot;#374B5B&quot;,&quot;opacity&quot;:1,&quot;type&quot;:&quot;SOLID&quot;},&quot;primaryButtonBackgroundHover&quot;:{&quot;color&quot;:&quot;#EA7540&quot;,&quot;opacity&quot;:1,&quot;type&quot;:&quot;SOLID&quot;},&quot;primaryButtonBorder&quot;:{&quot;color&quot;:&quot;#374B5B&quot;,&quot;opacity&quot;:1,&quot;type&quot;:&quot;SOLID&quot;},&quot;primaryButtonBorderHover&quot;:{&quot;color&quot;:&quot;#EA7540&quot;,&quot;opacity&quot;:1,&quot;type&quot;:&quot;SOLID&quot;},&quot;primaryButtonText&quot;:{&quot;color&quot;:&quot;#FFFFFF&quot;,&quot;opacity&quot;:1,&quot;type&quot;:&quot;SOLID&quot;},&quot;primaryButtonTextHover&quot;:{&quot;color&quot;:&quot;#FFFFFF&quot;,&quot;opacity&quot;:1,&quot;type&quot;:&quot;SOLID&quot;},&quot;secondaryButtonBackground&quot;:{&quot;color&quot;:&quot;#F1F2F4&quot;,&quot;opacity&quot;:1,&quot;type&quot;:&quot;SOLID&quot;},&quot;secondaryButtonBackgroundHover&quot;:{&quot;color&quot;:&quot;#E5E5E5&quot;,&quot;opacity&quot;:1,&quot;type&quot;:&quot;SOLID&quot;},&quot;secondaryButtonBorder&quot;:{&quot;color&quot;:&quot;#F1F2F4&quot;,&quot;opacity&quot;:1,&quot;type&quot;:&quot;SOLID&quot;},&quot;secondaryButtonBorderHover&quot;:{&quot;color&quot;:&quot;#E5E5E5&quot;,&quot;opacity&quot;:1,&quot;type&quot;:&quot;SOLID&quot;},&quot;secondaryButtonText&quot;:{&quot;color&quot;:&quot;#616870&quot;,&quot;opacity&quot;:1,&quot;type&quot;:&quot;SOLID&quot;},&quot;secondaryButtonTextHover&quot;:{&quot;color&quot;:&quot;#616870&quot;,&quot;opacity&quot;:1,&quot;type&quot;:&quot;SOLID&quot;}},&quot;controlPanel&quot;:{&quot;navigationMode&quot;:&quot;bySlides&quot;,&quot;progressBar&quot;:{&quot;enabled&quot;:true,&quot;mode&quot;:&quot;presentationTimeline&quot;,&quot;showLabels&quot;:true,&quot;visible&quot;:false},&quot;showCCButton&quot;:false,&quot;showNextButton&quot;:true,&quot;showOutline&quot;:false,&quot;showPlayPause&quot;:false,&quot;showPlaybackRateButton&quot;:false,&quot;showPrevButton&quot;:true,&quot;showRewind&quot;:false,&quot;showSlideNumbers&quot;:true,&quot;showSlideOnlyButton&quot;:true,&quot;showTimer&quot;:false,&quot;showVolumeControl&quot;:true,&quot;visible&quot;:true},&quot;fontFamily&quot;:&quot;Arial&quot;,&quot;miniskinCustomizationEnabled&quot;:false,&quot;outlinePanel&quot;:{&quot;highlightViewedEntries&quot;:false,&quot;multilevel&quot;:true,&quot;numberEntries&quot;:true,&quot;search&quot;:true,&quot;thumbnails&quot;:true},&quot;sidePanel&quot;:{&quot;showAtLeft&quot;:false,&quot;showLogo&quot;:false,&quot;showNotes&quot;:false,&quot;showOutline&quot;:false,&quot;showPresenterInfo&quot;:false,&quot;showPresenterVideo&quot;:false,&quot;visible&quot;:false},&quot;titlePanel&quot;:{&quot;buttons&quot;:[&quot;attachments&quot;,&quot;markerTools&quot;,&quot;presenterInfo&quot;],&quot;buttonsAtLeft&quot;:true,&quot;courseTitleVisible&quot;:true,&quot;showLogo&quot;:false,&quot;visible&quot;:false},&quot;version&quot;:&quot;1.1&quot;},&quot;skinMessages&quot;:{&quot;PB_ACCESSIBLE_ARIA_LABEL_BACK_TO_BEGIN&quot;:&quot;Go to the beginning of the slide&quot;,&quot;PB_ACCESSIBLE_ARIA_LABEL_BOTTOM_PANEL&quot;:&quot;Bottom Bar&quot;,&quot;PB_ACCESSIBLE_ARIA_LABEL_NAVIGATION_BUTTONS&quot;:&quot;Navigation buttons&quot;,&quot;PB_ACCESSIBLE_ARIA_LABEL_SETTINGS&quot;:&quot;Accessibility Settings&quot;,&quot;PB_ACCESSIBLE_ARIA_LABEL_SLIDE&quot;:&quot;Slide&quot;,&quot;PB_ACCESSIBLE_ARIA_LABEL_TOP_PANEL&quot;:&quot;Top Bar&quot;,&quot;PB_ACCESSIBLE_AUDIO_NARRATION_LABEL&quot;:&quot;Audio narration&quot;,&quot;PB_ACCESSIBLE_NAVIGATION_NEXT_BUTTON&quot;:&quot;Next&quot;,&quot;PB_ACCESSIBLE_NAVIGATION_PREV_BUTTON&quot;:&quot;Previous&quot;,&quot;PB_ACCESSIBLE_SKIN_ENABLE_ACCESSIBILITY_MODE&quot;:&quot;Turn on accessibility mode&quot;,&quot;PB_ACCESSIBLE_SKIN_ENABLE_NORMAL_MODE&quot;:&quot;Turn off accessibility mode&quot;,&quot;PB_ACCESSIBLE_SKIN_PRESENTER_PHOTO&quot;:&quot;Presenter photo&quot;,&quot;PB_ACCESSIBLE_SLIDE_N_OF_COUNT&quot;:&quot;Slide %SLIDE_NUMBER% of %TOTAL_SLIDES%&quot;,&quot;PB_ACCESSIBLE_VIDEO_NARRATION_LABEL&quot;:&quot;Video narration&quot;,&quot;PB_ACCESSIBLE_WATERMARK_SKIN_CREATED_WITH&quot;:&quot;Created with iSpring evaluation version&quot;,&quot;PB_ATTACHMENT_DOCUMENT_SUBTITLE&quot;:&quot;Document&quot;,&quot;PB_ATTACHMENT_FILE_SUBTITLE&quot;:&quot;File&quot;,&quot;PB_ATTACHMENT_IMAGE_SUBTITLE&quot;:&quot;Picture&quot;,&quot;PB_ATTACHMENT_LINK_SUBTITLE&quot;:&quot;Link&quot;,&quot;PB_ATTACHMENT_VIDEO_SUBTITLE&quot;:&quot;Video&quot;,&quot;PB_BACK_TO_APP_BUTTON_LABEL&quot;:&quot;Go back&quot;,&quot;PB_CC_MENU_OFF&quot;:&quot;Off&quot;,&quot;PB_CC_MENU_ON&quot;:&quot;On&quot;,&quot;PB_CC_MENU_TITLE&quot;:&quot;Notes&quot;,&quot;PB_CONTROL_PANEL_CLOSED_CAPTIONS&quot;:&quot;Notes&quot;,&quot;PB_CONTROL_PANEL_EXIT_FULL_SCREEN&quot;:&quot;Exit full screen&quot;,&quot;PB_CONTROL_PANEL_FULL_SCREEN&quot;:&quot;Full screen&quot;,&quot;PB_CONTROL_PANEL_NEXT&quot;:&quot;Next&quot;,&quot;PB_CONTROL_PANEL_OUTLINE&quot;:&quot;Outline&quot;,&quot;PB_CONTROL_PANEL_PREV&quot;:&quot;&quot;,&quot;PB_CONTROL_PANEL_REPLAY&quot;:&quot;Replay&quot;,&quot;PB_CONTROL_PANEL_SLIDE_COUNTER&quot;:&quot;%SLIDE_NUMBER% of %TOTAL_SLIDES%&quot;,&quot;PB_CONTROL_PANEL_VOLUME_CONTROL&quot;:&quot;Volume&quot;,&quot;PB_CURRENT_SLIDE_IS_NOT_COMPLETED&quot;:&quot;Complete the slide to go to the next one.&quot;,&quot;PB_DOMAIN_RESTRICTION&quot;:&quot;Sorry, the content author has prohibited sharing the presentation on this domain.&quot;,&quot;PB_DRAWING_TOOLS_END_DRAWING&quot;:&quot;Finish drawing&quot;,&quot;PB_DRAWING_TOOLS_ERASER&quot;:&quot;Eraser&quot;,&quot;PB_DRAWING_TOOLS_ERASE_ALL&quot;:&quot;Erase all&quot;,&quot;PB_DRAWING_TOOLS_HIGHLIGHTER&quot;:&quot;Highlighter&quot;,&quot;PB_DRAWING_TOOLS_PEN&quot;:&quot;Pen&quot;,&quot;PB_ENTER_PASSWORD&quot;:&quot;Enter the password to view this presentation.&quot;,&quot;PB_INCORRECT_PASSWORD&quot;:&quot;Incorrect password.&quot;,&quot;PB_INTERACTION_SLIDE_WINDOW_TEXT&quot;:&quot;To advance to the next slide, complete this interaction.&quot;,&quot;PB_MESSAGE_BOX_NO&quot;:&quot;No&quot;,&quot;PB_MESSAGE_BOX_OK&quot;:&quot;OK&quot;,&quot;PB_MESSAGE_BOX_YES&quot;:&quot;Yes&quot;,&quot;PB_NAVIGATION_IS_RESTRICTED&quot;:&quot;You can only view slides in order.&quot;,&quot;PB_NAVIGATION_IS_SEQUENTIAL&quot;:&quot;You can only view slides in order.&quot;,&quot;PB_PLAYBACK_RATE_MENU_CAPTION&quot;:&quot;Speed&quot;,&quot;PB_PRECEDING_QUIZ_FAILED_WINDOW_TEXT&quot;:&quot;You haven't passed the quiz on slide %SLIDE_INDEX% and can't advance to the next slide.&quot;,&quot;PB_PRECEDING_QUIZ_NOT_COMPLETED_WINDOW_TEXT&quot;:&quot;To advance to this slide, complete the quiz on slide %SLIDE_INDEX%.&quot;,&quot;PB_PRECEDING_QUIZ_NOT_PASSED_WINDOW_TEXT&quot;:&quot;To advance to this slide, you need to pass the quiz on slide %SLIDE_INDEX%.&quot;,&quot;PB_PRECEDING_SCENARIO_FAILED_WINDOW_TEXT&quot;:&quot;You haven't passed the role-play on slide %SLIDE_INDEX% and can't advance to the next slide.&quot;,&quot;PB_PRECEDING_SCENARIO_NOT_COMPLETED_WINDOW_TEXT&quot;:&quot;To advance to this slide, complete the role-play on slide %SLIDE_INDEX%.&quot;,&quot;PB_PRECEDING_SCENARIO_NOT_PASSED_WINDOW_TEXT&quot;:&quot;To advance to this slide, you need to pass the role-play on slide %SLIDE_INDEX%.&quot;,&quot;PB_PRESENTER_COLLAPSE_BIO&quot;:&quot;Show less&quot;,&quot;PB_PRESENTER_EMAIL&quot;:&quot;Email&quot;,&quot;PB_PRESENTER_EXPAND_BIO&quot;:&quot;Show more&quot;,&quot;PB_PRESENTER_NO_INFO&quot;:&quot;No presenter info.&quot;,&quot;PB_PRESENTER_WEBSITE&quot;:&quot;Website&quot;,&quot;PB_QUIZ_SLIDE_WINDOW_TEXT&quot;:&quot;To advance to the next slide, complete this quiz.&quot;,&quot;PB_RATE_MENU_CAPTION&quot;:&quot;Speed&quot;,&quot;PB_RATE_MENU_DEFAULT_RATE&quot;:&quot;Normal&quot;,&quot;PB_RESUME_PRESENTATION_WINDOW_TEXT&quot;:&quot;Do you want to resume where you left off?&quot;,&quot;PB_SCENARIO_SLIDE_WINDOW_TEXT&quot;:&quot;To advance to the next slide, complete this role-play.&quot;,&quot;PB_SEARCH_CANCEL&quot;:&quot;Cancel&quot;,&quot;PB_SEARCH_NO_RESULTS_LABEL&quot;:&quot;No matches found.&quot;,&quot;PB_SEARCH_PANEL_DEFAULT_TEXT&quot;:&quot;Search…&quot;,&quot;PB_SEARCH_RESULTS_LABEL&quot;:&quot;Search results&quot;,&quot;PB_SEARCH_RESULT_IN_NOTES&quot;:&quot;in notes&quot;,&quot;PB_SEARCH_RESULT_IN_TEXT_LABEL&quot;:&quot;in slide&quot;,&quot;PB_SUBTITLES_MENU_CAPTION&quot;:&quot;Subtitles&quot;,&quot;PB_SUBTITLES_OFF&quot;:&quot;Off&quot;,&quot;PB_TAB_NOTES_LABEL&quot;:&quot;Notes&quot;,&quot;PB_TAB_OUTLINE_LABEL&quot;:&quot;Slides&quot;,&quot;PB_TIME_RESTRICTION&quot;:&quot;Sorry, the content author has prohibited viewing the presentation at this time.&quot;,&quot;PB_TITLE_PANEL_ATTACHMENTS&quot;:&quot;Resources&quot;,&quot;PB_TITLE_PANEL_MARKER_TOOLS&quot;:&quot;Drawing&quot;,&quot;PB_TITLE_PANEL_NOTES&quot;:&quot;Notes&quot;,&quot;PB_TITLE_PANEL_OUTLINE&quot;:&quot;Outline&quot;,&quot;PB_TITLE_PANEL_PRESENTER_INFO&quot;:&quot;Presenter Info&quot;,&quot;PB_TREE_CONTROL_LOADING&quot;:&quot;Loading…&quot;,&quot;PB_VIDEO_WINDOW_NO_VIDEO_LABEL&quot;:&quot;No video&quot;},&quot;playbackAndNavigationSettings&quot;:{&quot;autoStart&quot;:true,&quot;saveAnimationStates&quot;:true,&quot;loopPresentation&quot;:false,&quot;autoPlayAnimations&quot;:false,&quot;autoPlayAnimationsTime&quot;:1,&quot;navigationType&quot;:&quot;LIMITED&quot;,&quot;resumeMode&quot;:&quot;PROMPT&quot;,&quot;enableKeyboardNavigation&quot;:true},&quot;keyboardSettings&quot;:&quot;&quot;,&quot;skinVersion&quot;:3,&quot;skinCompatibleVersion&quot;:0,&quot;publishSettings&quot;:{&quot;backgroundColor&quot;:&quot;#F4E9E5&quot;,&quot;playerDimensions&quot;:{&quot;height&quot;:92,&quot;width&quot;:16},&quot;playerModule&quot;:&quot;UniversalHtml&quot;,&quot;presentationContent&quot;:{&quot;metadata&quot;:{&quot;references&quot;:false,&quot;texts&quot;:[&quot;DT_HYPERLINK_TOOLTIP&quot;]},&quot;resources&quot;:{&quot;attachments&quot;:false,&quot;fonts&quot;:[{&quot;charsets&quot;:{&quot;dynamicFormatted&quot;:[&quot;DCT_INTERACTIVITY_TEXT&quot;,&quot;DCT_INTERACTIVITY_SEMIBOLD_TEXT&quot;],&quot;dynamicPlain&quot;:[&quot;DCT_HYPERLINK_TOOLTIP&quot;],&quot;static&quot;:[&quot;Next&quot;,&quot;Full screen&quot;,&quot;Exit full screen&quot;,&quot;Volume&quot;,&quot;%SLIDE_NUMBER% of %TOTAL_SLIDES%&quot;,&quot;Yes&quot;,&quot;No&quot;,&quot;OK&quot;,&quot;Do you want to resume where you left off?&quot;,&quot;Complete the slide to go to the next one.&quot;,&quot;You can only view slides in order.&quot;,&quot;To advance to the next slide, complete this quiz.&quot;,&quot;To advance to this slide, you need to pass the quiz on slide %SLIDE_INDEX%.&quot;,&quot;To advance to this slide, complete the quiz on slide %SLIDE_INDEX%.&quot;,&quot;You haven't passed the quiz on slide %SLIDE_INDEX% and can't advance to the next slide.&quot;,&quot;To advance to the next slide, complete this interaction.&quot;,&quot;To advance to the next slide, complete this role-play.&quot;,&quot;To advance to this slide, you need to pass the role-play on slide %SLIDE_INDEX%.&quot;,&quot;To advance to this slide, complete the role-play on slide %SLIDE_INDEX%.&quot;,&quot;You haven't passed the role-play on slide %SLIDE_INDEX% and can't advance to the next slide.&quot;,&quot;Enter the password to view this presentation.&quot;,&quot;Incorrect password.&quot;,&quot;Sorry, the content author has prohibited sharing the presentation on this domain.&quot;,&quot;Sorry, the content author has prohibited viewing the presentation at this time.&quot;,&quot;Go back&quot;]},&quot;embedName&quot;:&quot;PFn&quot;,&quot;fontFamily&quot;:&quot;Arial&quot;,&quot;isBold&quot;:false,&quot;isItalic&quot;:false,&quot;isSemibold&quot;:false,&quot;substituteFontFamily&quot;:&quot;Arial&quot;},{&quot;charsets&quot;:{&quot;dynamicFormatted&quot;:[&quot;DCT_INTERACTIVITY_TEXT&quot;,&quot;DCT_INTERACTIVITY_SEMIBOLD_TEXT&quot;],&quot;dynamicPlain&quot;:[&quot;DCT_HYPERLINK_TOOLTIP&quot;],&quot;static&quot;:[&quot;Next&quot;,&quot;Full screen&quot;,&quot;Exit full screen&quot;,&quot;Volume&quot;,&quot;%SLIDE_NUMBER% of %TOTAL_SLIDES%&quot;,&quot;Yes&quot;,&quot;No&quot;,&quot;OK&quot;,&quot;Do you want to resume where you left off?&quot;,&quot;Complete the slide to go to the next one.&quot;,&quot;You can only view slides in order.&quot;,&quot;To advance to the next slide, complete this quiz.&quot;,&quot;To advance to this slide, you need to pass the quiz on slide %SLIDE_INDEX%.&quot;,&quot;To advance to this slide, complete the quiz on slide %SLIDE_INDEX%.&quot;,&quot;You haven't passed the quiz on slide %SLIDE_INDEX% and can't advance to the next slide.&quot;,&quot;To advance to the next slide, complete this interaction.&quot;,&quot;To advance to the next slide, complete this role-play.&quot;,&quot;To advance to this slide, you need to pass the role-play on slide %SLIDE_INDEX%.&quot;,&quot;To advance to this slide, complete the role-play on slide %SLIDE_INDEX%.&quot;,&quot;You haven't passed the role-play on slide %SLIDE_INDEX% and can't advance to the next slide.&quot;,&quot;Enter the password to view this presentation.&quot;,&quot;Incorrect password.&quot;,&quot;Sorry, the content author has prohibited sharing the presentation on this domain.&quot;,&quot;Sorry, the content author has prohibited viewing the presentation at this time.&quot;,&quot;Go back&quot;]},&quot;embedName&quot;:&quot;PFnb&quot;,&quot;fontFamily&quot;:&quot;Arial&quot;,&quot;isBold&quot;:true,&quot;isItalic&quot;:false,&quot;isSemibold&quot;:false,&quot;substituteFontFamily&quot;:&quot;Arial&quot;},{&quot;charsets&quot;:{&quot;dynamicFormatted&quot;:[&quot;DCT_INTERACTIVITY_TEXT&quot;,&quot;DCT_INTERACTIVITY_SEMIBOLD_TEXT&quot;],&quot;dynamicPlain&quot;:[&quot;DCT_HYPERLINK_TOOLTIP&quot;],&quot;static&quot;:[&quot;Next&quot;,&quot;Full screen&quot;,&quot;Exit full screen&quot;,&quot;Volume&quot;,&quot;%SLIDE_NUMBER% of %TOTAL_SLIDES%&quot;,&quot;Yes&quot;,&quot;No&quot;,&quot;OK&quot;,&quot;Do you want to resume where you left off?&quot;,&quot;Complete the slide to go to the next one.&quot;,&quot;You can only view slides in order.&quot;,&quot;To advance to the next slide, complete this quiz.&quot;,&quot;To advance to this slide, you need to pass the quiz on slide %SLIDE_INDEX%.&quot;,&quot;To advance to this slide, complete the quiz on slide %SLIDE_INDEX%.&quot;,&quot;You haven't passed the quiz on slide %SLIDE_INDEX% and can't advance to the next slide.&quot;,&quot;To advance to the next slide, complete this interaction.&quot;,&quot;To advance to the next slide, complete this role-play.&quot;,&quot;To advance to this slide, you need to pass the role-play on slide %SLIDE_INDEX%.&quot;,&quot;To advance to this slide, complete the role-play on slide %SLIDE_INDEX%.&quot;,&quot;You haven't passed the role-play on slide %SLIDE_INDEX% and can't advance to the next slide.&quot;,&quot;Enter the password to view this presentation.&quot;,&quot;Incorrect password.&quot;,&quot;Sorry, the content author has prohibited sharing the presentation on this domain.&quot;,&quot;Sorry, the content author has prohibited viewing the presentation at this time.&quot;,&quot;Go back&quot;]},&quot;embedName&quot;:&quot;PFni&quot;,&quot;fontFamily&quot;:&quot;Arial&quot;,&quot;isBold&quot;:false,&quot;isItalic&quot;:true,&quot;isSemibold&quot;:false,&quot;substituteFontFamily&quot;:&quot;Arial&quot;},{&quot;charsets&quot;:{&quot;dynamicFormatted&quot;:[&quot;DCT_INTERACTIVITY_TEXT&quot;,&quot;DCT_INTERACTIVITY_SEMIBOLD_TEXT&quot;],&quot;dynamicPlain&quot;:[&quot;DCT_HYPERLINK_TOOLTIP&quot;],&quot;static&quot;:[&quot;Next&quot;,&quot;Full screen&quot;,&quot;Exit full screen&quot;,&quot;Volume&quot;,&quot;%SLIDE_NUMBER% of %TOTAL_SLIDES%&quot;,&quot;Yes&quot;,&quot;No&quot;,&quot;OK&quot;,&quot;Do you want to resume where you left off?&quot;,&quot;Complete the slide to go to the next one.&quot;,&quot;You can only view slides in order.&quot;,&quot;To advance to the next slide, complete this quiz.&quot;,&quot;To advance to this slide, you need to pass the quiz on slide %SLIDE_INDEX%.&quot;,&quot;To advance to this slide, complete the quiz on slide %SLIDE_INDEX%.&quot;,&quot;You haven't passed the quiz on slide %SLIDE_INDEX% and can't advance to the next slide.&quot;,&quot;To advance to the next slide, complete this interaction.&quot;,&quot;To advance to the next slide, complete this role-play.&quot;,&quot;To advance to this slide, you need to pass the role-play on slide %SLIDE_INDEX%.&quot;,&quot;To advance to this slide, complete the role-play on slide %SLIDE_INDEX%.&quot;,&quot;You haven't passed the role-play on slide %SLIDE_INDEX% and can't advance to the next slide.&quot;,&quot;Enter the password to view this presentation.&quot;,&quot;Incorrect password.&quot;,&quot;Sorry, the content author has prohibited sharing the presentation on this domain.&quot;,&quot;Sorry, the content author has prohibited viewing the presentation at this time.&quot;,&quot;Go back&quot;]},&quot;embedName&quot;:&quot;PFnbi&quot;,&quot;fontFamily&quot;:&quot;Arial&quot;,&quot;isBold&quot;:true,&quot;isItalic&quot;:true,&quot;isSemibold&quot;:false,&quot;substituteFontFamily&quot;:&quot;Arial&quot;},{&quot;charsets&quot;:{&quot;dynamicFormatted&quot;:[&quot;DCT_INTERACTIVITY_TEXT&quot;,&quot;DCT_INTERACTIVITY_SEMIBOLD_TEXT&quot;],&quot;dynamicPlain&quot;:[&quot;DCT_HYPERLINK_TOOLTIP&quot;],&quot;static&quot;:[&quot;Next&quot;,&quot;Full screen&quot;,&quot;Exit full screen&quot;,&quot;Volume&quot;,&quot;%SLIDE_NUMBER% of %TOTAL_SLIDES%&quot;,&quot;Yes&quot;,&quot;No&quot;,&quot;OK&quot;,&quot;Do you want to resume where you left off?&quot;,&quot;Complete the slide to go to the next one.&quot;,&quot;You can only view slides in order.&quot;,&quot;To advance to the next slide, complete this quiz.&quot;,&quot;To advance to this slide, you need to pass the quiz on slide %SLIDE_INDEX%.&quot;,&quot;To advance to this slide, complete the quiz on slide %SLIDE_INDEX%.&quot;,&quot;You haven't passed the quiz on slide %SLIDE_INDEX% and can't advance to the next slide.&quot;,&quot;To advance to the next slide, complete this interaction.&quot;,&quot;To advance to the next slide, complete this role-play.&quot;,&quot;To advance to this slide, you need to pass the role-play on slide %SLIDE_INDEX%.&quot;,&quot;To advance to this slide, complete the role-play on slide %SLIDE_INDEX%.&quot;,&quot;You haven't passed the role-play on slide %SLIDE_INDEX% and can't advance to the next slide.&quot;,&quot;Enter the password to view this presentation.&quot;,&quot;Incorrect password.&quot;,&quot;Sorry, the content author has prohibited sharing the presentation on this domain.&quot;,&quot;Sorry, the content author has prohibited viewing the presentation at this time.&quot;,&quot;Go back&quot;]},&quot;embedName&quot;:&quot;PFnsb&quot;,&quot;fontFamily&quot;:&quot;Arial&quot;,&quot;isBold&quot;:false,&quot;isItalic&quot;:false,&quot;isSemibold&quot;:true,&quot;substituteFontFamily&quot;:&quot;Arial&quot;},{&quot;charsets&quot;:{&quot;dynamicFormatted&quot;:[&quot;DCT_INTERACTIVITY_TEXT&quot;,&quot;DCT_INTERACTIVITY_SEMIBOLD_TEXT&quot;],&quot;dynamicPlain&quot;:[&quot;DCT_HYPERLINK_TOOLTIP&quot;],&quot;static&quot;:[&quot;Next&quot;,&quot;Full screen&quot;,&quot;Exit full screen&quot;,&quot;Volume&quot;,&quot;%SLIDE_NUMBER% of %TOTAL_SLIDES%&quot;,&quot;Yes&quot;,&quot;No&quot;,&quot;OK&quot;,&quot;Do you want to resume where you left off?&quot;,&quot;Complete the slide to go to the next one.&quot;,&quot;You can only view slides in order.&quot;,&quot;To advance to the next slide, complete this quiz.&quot;,&quot;To advance to this slide, you need to pass the quiz on slide %SLIDE_INDEX%.&quot;,&quot;To advance to this slide, complete the quiz on slide %SLIDE_INDEX%.&quot;,&quot;You haven't passed the quiz on slide %SLIDE_INDEX% and can't advance to the next slide.&quot;,&quot;To advance to the next slide, complete this interaction.&quot;,&quot;To advance to the next slide, complete this role-play.&quot;,&quot;To advance to this slide, you need to pass the role-play on slide %SLIDE_INDEX%.&quot;,&quot;To advance to this slide, complete the role-play on slide %SLIDE_INDEX%.&quot;,&quot;You haven't passed the role-play on slide %SLIDE_INDEX% and can't advance to the next slide.&quot;,&quot;Enter the password to view this presentation.&quot;,&quot;Incorrect password.&quot;,&quot;Sorry, the content author has prohibited sharing the presentation on this domain.&quot;,&quot;Sorry, the content author has prohibited viewing the presentation at this time.&quot;,&quot;Go back&quot;]},&quot;embedName&quot;:&quot;PFnsbi&quot;,&quot;fontFamily&quot;:&quot;Arial&quot;,&quot;isBold&quot;:false,&quot;isItalic&quot;:true,&quot;isSemibold&quot;:true,&quot;substituteFontFamily&quot;:&quot;Arial&quot;}],&quot;interactivity&quot;:{&quot;fullSupport&quot;:true}}}},&quot;ceipData&quot;:{&quot;enableMiniSkinCustomization&quot;:false,&quot;playerLayout&quot;:&quot;custom&quot;,&quot;playerLayoutFooter&quot;:&quot;fullscreen,volumeControl,slideNumber,goToPrev,goToNext&quot;,&quot;playerLayoutHeader&quot;:&quot;&quot;,&quot;playerLayoutHeaderButtonsPosition&quot;:&quot;&quot;,&quot;playerLayoutOutline&quot;:&quot;&quot;,&quot;playerLayoutProgress&quot;:&quot;&quot;,&quot;playerLayoutProgressMode&quot;:&quot;&quot;,&quot;playerLayoutSidebar&quot;:&quot;&quot;,&quot;playerLayoutSidebarPosition&quot;:&quot;&quot;,&quot;playerMessages&quot;:&quot;builtin.en&quot;,&quot;playerNavigationAutoStart&quot;:true,&quot;playerNavigationEnableKeyboardNavigation&quot;:true,&quot;playerNavigationMode&quot;:&quot;bySlides&quot;,&quot;playerNavigationOnRestart&quot;:&quot;prompt&quot;,&quot;playerNavigationSaveAnimationStates&quot;:true,&quot;playerNavigationType&quot;:&quot;restricted&quot;,&quot;playerTheme&quot;:&quot;custom&quot;,&quot;playerThemeBorderRadius&quot;:10,&quot;playerThemeColorScheme&quot;:&quot;builtin.lightOrange&quot;,&quot;playerThemeFont&quot;:&quot;Arial&quot;}},&quot;none&quot;:{&quot;skinSettings&quot;:{&quot;borderRadius&quot;:10,&quot;colors&quot;:{&quot;asideBackground&quot;:{&quot;color&quot;:&quot;#FFFFFF&quot;,&quot;opacity&quot;:1,&quot;type&quot;:&quot;SOLID&quot;},&quot;pageBackground&quot;:{&quot;color&quot;:&quot;#DCDEE0&quot;,&quot;opacity&quot;:1,&quot;type&quot;:&quot;SOLID&quot;},&quot;playerText&quot;:{&quot;color&quot;:&quot;#34383D&quot;,&quot;opacity&quot;:1,&quot;type&quot;:&quot;SOLID&quot;},&quot;primaryButtonBackground&quot;:{&quot;color&quot;:&quot;#5F8BD9&quot;,&quot;opacity&quot;:1,&quot;type&quot;:&quot;SOLID&quot;},&quot;primaryButtonBackgroundHover&quot;:{&quot;color&quot;:&quot;#5077BB&quot;,&quot;opacity&quot;:1,&quot;type&quot;:&quot;SOLID&quot;},&quot;primaryButtonBorder&quot;:{&quot;color&quot;:&quot;#5F8BD9&quot;,&quot;opacity&quot;:1,&quot;type&quot;:&quot;SOLID&quot;},&quot;primaryButtonBorderHover&quot;:{&quot;color&quot;:&quot;#5077BB&quot;,&quot;opacity&quot;:1,&quot;type&quot;:&quot;SOLID&quot;},&quot;primaryButtonText&quot;:{&quot;color&quot;:&quot;#FFFFFF&quot;,&quot;opacity&quot;:1,&quot;type&quot;:&quot;SOLID&quot;},&quot;primaryButtonTextHover&quot;:{&quot;color&quot;:&quot;#FFFFFF&quot;,&quot;opacity&quot;:1,&quot;type&quot;:&quot;SOLID&quot;}},&quot;enablePlaybackRateControl&quot;:true,&quot;fontFamily&quot;:&quot;Arial&quot;,&quot;version&quot;:&quot;1.0&quot;},&quot;skinMessages&quot;:{&quot;PB_ACCESSIBLE_ARIA_LABEL_BACK_TO_BEGIN&quot;:&quot;Go to the beginning of the slide&quot;,&quot;PB_ACCESSIBLE_ARIA_LABEL_BOTTOM_PANEL&quot;:&quot;Bottom Bar&quot;,&quot;PB_ACCESSIBLE_ARIA_LABEL_NAVIGATION_BUTTONS&quot;:&quot;Navigation buttons&quot;,&quot;PB_ACCESSIBLE_ARIA_LABEL_SETTINGS&quot;:&quot;Accessibility Settings&quot;,&quot;PB_ACCESSIBLE_ARIA_LABEL_SLIDE&quot;:&quot;Slide&quot;,&quot;PB_ACCESSIBLE_ARIA_LABEL_TOP_PANEL&quot;:&quot;Top Bar&quot;,&quot;PB_ACCESSIBLE_AUDIO_NARRATION_LABEL&quot;:&quot;Audio narration&quot;,&quot;PB_ACCESSIBLE_NAVIGATION_NEXT_BUTTON&quot;:&quot;Next&quot;,&quot;PB_ACCESSIBLE_NAVIGATION_PREV_BUTTON&quot;:&quot;Previous&quot;,&quot;PB_ACCESSIBLE_PLAYER_SCENARIO_NOT_SUPPORTED&quot;:&quot;The role-play is not supported in the accessibility mode&quot;,&quot;PB_ACCESSIBLE_SKIN_ENABLE_ACCESSIBILITY_MODE&quot;:&quot;Turn on accessibility mode&quot;,&quot;PB_ACCESSIBLE_SKIN_ENABLE_NORMAL_MODE&quot;:&quot;Turn off accessibility mode&quot;,&quot;PB_ACCESSIBLE_VIDEO_NARRATION_LABEL&quot;:&quot;Video narration&quot;,&quot;PB_ACCESSIBLE_WATERMARK_SKIN_CREATED_WITH&quot;:&quot;Created with iSpring evaluation version&quot;,&quot;PB_BACK_TO_APP_BUTTON_LABEL&quot;:&quot;Go back&quot;,&quot;PB_CONTROL_PANEL_NEXT&quot;:&quot;Next&quot;,&quot;PB_CONTROL_PANEL_PREV&quot;:&quot;&quot;,&quot;PB_CURRENT_SLIDE_IS_NOT_COMPLETED&quot;:&quot;Complete the slide to go to the next one.&quot;,&quot;PB_DOMAIN_RESTRICTION&quot;:&quot;Sorry, the content author has prohibited sharing the presentation on this domain.&quot;,&quot;PB_ENTER_PASSWORD&quot;:&quot;Enter the password to view this presentation.&quot;,&quot;PB_INCORRECT_PASSWORD&quot;:&quot;Incorrect password.&quot;,&quot;PB_INTERACTION_SLIDE_WINDOW_TEXT&quot;:&quot;To advance to the next slide, complete this interaction.&quot;,&quot;PB_MESSAGE_BOX_NO&quot;:&quot;No&quot;,&quot;PB_MESSAGE_BOX_OK&quot;:&quot;OK&quot;,&quot;PB_MESSAGE_BOX_YES&quot;:&quot;Yes&quot;,&quot;PB_NAVIGATION_IS_RESTRICTED&quot;:&quot;You can only view slides in order.&quot;,&quot;PB_NAVIGATION_IS_SEQUENTIAL&quot;:&quot;You can only view slides in order.&quot;,&quot;PB_PLAYBACK_RATE_MENU_CAPTION&quot;:&quot;Speed&quot;,&quot;PB_PRECEDING_QUIZ_FAILED_WINDOW_TEXT&quot;:&quot;You haven't passed the quiz on slide %SLIDE_INDEX% and can't advance to the next slide.&quot;,&quot;PB_PRECEDING_QUIZ_NOT_COMPLETED_WINDOW_TEXT&quot;:&quot;To advance to this slide, complete the quiz on slide %SLIDE_INDEX%.&quot;,&quot;PB_PRECEDING_QUIZ_NOT_PASSED_WINDOW_TEXT&quot;:&quot;To advance to this slide, you need to pass the quiz on slide %SLIDE_INDEX%.&quot;,&quot;PB_PRECEDING_SCENARIO_FAILED_WINDOW_TEXT&quot;:&quot;You haven't passed the role-play on slide %SLIDE_INDEX% and can't advance to the next slide.&quot;,&quot;PB_PRECEDING_SCENARIO_NOT_COMPLETED_WINDOW_TEXT&quot;:&quot;To advance to this slide, complete the role-play on slide %SLIDE_INDEX%.&quot;,&quot;PB_PRECEDING_SCENARIO_NOT_PASSED_WINDOW_TEXT&quot;:&quot;To advance to this slide, you need to pass the role-play on slide %SLIDE_INDEX%.&quot;,&quot;PB_QUIZ_SLIDE_WINDOW_TEXT&quot;:&quot;To advance to the next slide, complete this quiz.&quot;,&quot;PB_RESTRICTION_MESSAGE_BOX_TITLE&quot;:&quot;Navigation is limited&quot;,&quot;PB_RESUME_PRESENTATION_WINDOW_TEXT&quot;:&quot;Do you want to resume where you left off?&quot;,&quot;PB_RESUME_PRESENTATION_WINDOW_TITLE&quot;:&quot;Resume Presentation&quot;,&quot;PB_SCENARIO_SLIDE_WINDOW_TEXT&quot;:&quot;To advance to the next slide, complete this role-play.&quot;,&quot;PB_SUBTITLES_MENU_CAPTION&quot;:&quot;Subtitles&quot;,&quot;PB_SUBTITLES_OFF&quot;:&quot;Off&quot;,&quot;PB_TIME_RESTRICTION&quot;:&quot;Sorry, the content author has prohibited viewing the presentation at this time.&quot;},&quot;playbackAndNavigationSettings&quot;:{&quot;autoStart&quot;:true,&quot;saveAnimationStates&quot;:true,&quot;loopPresentation&quot;:false,&quot;autoPlayAnimations&quot;:false,&quot;autoPlayAnimationsTime&quot;:1,&quot;navigationType&quot;:&quot;FREE&quot;,&quot;resumeMode&quot;:&quot;PROMPT&quot;,&quot;enableKeyboardNavigation&quot;:true},&quot;keyboardSettings&quot;:&quot;&quot;,&quot;skinVersion&quot;:2,&quot;skinCompatibleVersion&quot;:0,&quot;publishSettings&quot;:{&quot;backgroundColor&quot;:&quot;#DCDEE0&quot;,&quot;playerDimensions&quot;:{&quot;height&quot;:0,&quot;width&quot;:0},&quot;playerModule&quot;:&quot;NoneHtml&quot;,&quot;presentationContent&quot;:{&quot;resources&quot;:{&quot;attachments&quot;:false,&quot;fonts&quot;:[{&quot;charsets&quot;:{&quot;dynamicFormatted&quot;:[&quot;DCT_INTERACTIVITY_TEXT&quot;,&quot;DCT_INTERACTIVITY_SEMIBOLD_TEXT&quot;],&quot;dynamicPlain&quot;:[&quot;DCT_HYPERLINK_TOOLTIP&quot;],&quot;static&quot;:[&quot;Next&quot;,&quot;0123456789.,x&quot;,&quot;Speed&quot;,&quot;Yes&quot;,&quot;No&quot;,&quot;OK&quot;,&quot;Do you want to resume where you left off?&quot;,&quot;Complete the slide to go to the next one.&quot;,&quot;You can only view slides in order.&quot;,&quot;To advance to the next slide, complete this quiz.&quot;,&quot;To advance to this slide, you need to pass the quiz on slide %SLIDE_INDEX%.&quot;,&quot;To advance to this slide, complete the quiz on slide %SLIDE_INDEX%.&quot;,&quot;You haven't passed the quiz on slide %SLIDE_INDEX% and can't advance to the next slide.&quot;,&quot;To advance to the next slide, complete this interaction.&quot;,&quot;To advance to the next slide, complete this role-play.&quot;,&quot;To advance to this slide, you need to pass the role-play on slide %SLIDE_INDEX%.&quot;,&quot;To advance to this slide, complete the role-play on slide %SLIDE_INDEX%.&quot;,&quot;You haven't passed the role-play on slide %SLIDE_INDEX% and can't advance to the next slide.&quot;,&quot;Enter the password to view this presentation.&quot;,&quot;Incorrect password.&quot;,&quot;Sorry, the content author has prohibited sharing the presentation on this domain.&quot;,&quot;Sorry, the content author has prohibited viewing the presentation at this time.&quot;,&quot;Go back&quot;]},&quot;embedName&quot;:&quot;nPFn&quot;,&quot;fontFamily&quot;:&quot;Arial&quot;,&quot;isBold&quot;:false,&quot;isItalic&quot;:false,&quot;isSemibold&quot;:false,&quot;substituteFontFamily&quot;:&quot;Arial&quot;},{&quot;charsets&quot;:{&quot;dynamicFormatted&quot;:[&quot;DCT_INTERACTIVITY_TEXT&quot;,&quot;DCT_INTERACTIVITY_SEMIBOLD_TEXT&quot;],&quot;dynamicPlain&quot;:[&quot;DCT_HYPERLINK_TOOLTIP&quot;],&quot;static&quot;:[&quot;Next&quot;,&quot;0123456789.,x&quot;,&quot;Speed&quot;,&quot;Yes&quot;,&quot;No&quot;,&quot;OK&quot;,&quot;Do you want to resume where you left off?&quot;,&quot;Complete the slide to go to the next one.&quot;,&quot;You can only view slides in order.&quot;,&quot;To advance to the next slide, complete this quiz.&quot;,&quot;To advance to this slide, you need to pass the quiz on slide %SLIDE_INDEX%.&quot;,&quot;To advance to this slide, complete the quiz on slide %SLIDE_INDEX%.&quot;,&quot;You haven't passed the quiz on slide %SLIDE_INDEX% and can't advance to the next slide.&quot;,&quot;To advance to the next slide, complete this interaction.&quot;,&quot;To advance to the next slide, complete this role-play.&quot;,&quot;To advance to this slide, you need to pass the role-play on slide %SLIDE_INDEX%.&quot;,&quot;To advance to this slide, complete the role-play on slide %SLIDE_INDEX%.&quot;,&quot;You haven't passed the role-play on slide %SLIDE_INDEX% and can't advance to the next slide.&quot;,&quot;Enter the password to view this presentation.&quot;,&quot;Incorrect password.&quot;,&quot;Sorry, the content author has prohibited sharing the presentation on this domain.&quot;,&quot;Sorry, the content author has prohibited viewing the presentation at this time.&quot;,&quot;Go back&quot;]},&quot;embedName&quot;:&quot;nPFnb&quot;,&quot;fontFamily&quot;:&quot;Arial&quot;,&quot;isBold&quot;:true,&quot;isItalic&quot;:false,&quot;isSemibold&quot;:false,&quot;substituteFontFamily&quot;:&quot;Arial&quot;},{&quot;charsets&quot;:{&quot;dynamicFormatted&quot;:[&quot;DCT_INTERACTIVITY_TEXT&quot;,&quot;DCT_INTERACTIVITY_SEMIBOLD_TEXT&quot;],&quot;dynamicPlain&quot;:[&quot;DCT_HYPERLINK_TOOLTIP&quot;],&quot;static&quot;:[&quot;Next&quot;,&quot;0123456789.,x&quot;,&quot;Speed&quot;,&quot;Yes&quot;,&quot;No&quot;,&quot;OK&quot;,&quot;Do you want to resume where you left off?&quot;,&quot;Complete the slide to go to the next one.&quot;,&quot;You can only view slides in order.&quot;,&quot;To advance to the next slide, complete this quiz.&quot;,&quot;To advance to this slide, you need to pass the quiz on slide %SLIDE_INDEX%.&quot;,&quot;To advance to this slide, complete the quiz on slide %SLIDE_INDEX%.&quot;,&quot;You haven't passed the quiz on slide %SLIDE_INDEX% and can't advance to the next slide.&quot;,&quot;To advance to the next slide, complete this interaction.&quot;,&quot;To advance to the next slide, complete this role-play.&quot;,&quot;To advance to this slide, you need to pass the role-play on slide %SLIDE_INDEX%.&quot;,&quot;To advance to this slide, complete the role-play on slide %SLIDE_INDEX%.&quot;,&quot;You haven't passed the role-play on slide %SLIDE_INDEX% and can't advance to the next slide.&quot;,&quot;Enter the password to view this presentation.&quot;,&quot;Incorrect password.&quot;,&quot;Sorry, the content author has prohibited sharing the presentation on this domain.&quot;,&quot;Sorry, the content author has prohibited viewing the presentation at this time.&quot;,&quot;Go back&quot;]},&quot;embedName&quot;:&quot;nPFni&quot;,&quot;fontFamily&quot;:&quot;Arial&quot;,&quot;isBold&quot;:false,&quot;isItalic&quot;:true,&quot;isSemibold&quot;:false,&quot;substituteFontFamily&quot;:&quot;Arial&quot;},{&quot;charsets&quot;:{&quot;dynamicFormatted&quot;:[&quot;DCT_INTERACTIVITY_TEXT&quot;,&quot;DCT_INTERACTIVITY_SEMIBOLD_TEXT&quot;],&quot;dynamicPlain&quot;:[&quot;DCT_HYPERLINK_TOOLTIP&quot;],&quot;static&quot;:[&quot;Next&quot;,&quot;0123456789.,x&quot;,&quot;Speed&quot;,&quot;Yes&quot;,&quot;No&quot;,&quot;OK&quot;,&quot;Do you want to resume where you left off?&quot;,&quot;Complete the slide to go to the next one.&quot;,&quot;You can only view slides in order.&quot;,&quot;To advance to the next slide, complete this quiz.&quot;,&quot;To advance to this slide, you need to pass the quiz on slide %SLIDE_INDEX%.&quot;,&quot;To advance to this slide, complete the quiz on slide %SLIDE_INDEX%.&quot;,&quot;You haven't passed the quiz on slide %SLIDE_INDEX% and can't advance to the next slide.&quot;,&quot;To advance to the next slide, complete this interaction.&quot;,&quot;To advance to the next slide, complete this role-play.&quot;,&quot;To advance to this slide, you need to pass the role-play on slide %SLIDE_INDEX%.&quot;,&quot;To advance to this slide, complete the role-play on slide %SLIDE_INDEX%.&quot;,&quot;You haven't passed the role-play on slide %SLIDE_INDEX% and can't advance to the next slide.&quot;,&quot;Enter the password to view this presentation.&quot;,&quot;Incorrect password.&quot;,&quot;Sorry, the content author has prohibited sharing the presentation on this domain.&quot;,&quot;Sorry, the content author has prohibited viewing the presentation at this time.&quot;,&quot;Go back&quot;]},&quot;embedName&quot;:&quot;nPFnbi&quot;,&quot;fontFamily&quot;:&quot;Arial&quot;,&quot;isBold&quot;:true,&quot;isItalic&quot;:true,&quot;isSemibold&quot;:false,&quot;substituteFontFamily&quot;:&quot;Arial&quot;},{&quot;charsets&quot;:{&quot;dynamicFormatted&quot;:[&quot;DCT_INTERACTIVITY_TEXT&quot;,&quot;DCT_INTERACTIVITY_SEMIBOLD_TEXT&quot;],&quot;dynamicPlain&quot;:[&quot;DCT_HYPERLINK_TOOLTIP&quot;],&quot;static&quot;:[&quot;Next&quot;,&quot;0123456789.,x&quot;,&quot;Speed&quot;,&quot;Yes&quot;,&quot;No&quot;,&quot;OK&quot;,&quot;Do you want to resume where you left off?&quot;,&quot;Complete the slide to go to the next one.&quot;,&quot;You can only view slides in order.&quot;,&quot;To advance to the next slide, complete this quiz.&quot;,&quot;To advance to this slide, you need to pass the quiz on slide %SLIDE_INDEX%.&quot;,&quot;To advance to this slide, complete the quiz on slide %SLIDE_INDEX%.&quot;,&quot;You haven't passed the quiz on slide %SLIDE_INDEX% and can't advance to the next slide.&quot;,&quot;To advance to the next slide, complete this interaction.&quot;,&quot;To advance to the next slide, complete this role-play.&quot;,&quot;To advance to this slide, you need to pass the role-play on slide %SLIDE_INDEX%.&quot;,&quot;To advance to this slide, complete the role-play on slide %SLIDE_INDEX%.&quot;,&quot;You haven't passed the role-play on slide %SLIDE_INDEX% and can't advance to the next slide.&quot;,&quot;Enter the password to view this presentation.&quot;,&quot;Incorrect password.&quot;,&quot;Sorry, the content author has prohibited sharing the presentation on this domain.&quot;,&quot;Sorry, the content author has prohibited viewing the presentation at this time.&quot;,&quot;Go back&quot;]},&quot;embedName&quot;:&quot;nPFnsb&quot;,&quot;fontFamily&quot;:&quot;Arial&quot;,&quot;isBold&quot;:false,&quot;isItalic&quot;:false,&quot;isSemibold&quot;:true,&quot;substituteFontFamily&quot;:&quot;Arial&quot;},{&quot;charsets&quot;:{&quot;dynamicFormatted&quot;:[&quot;DCT_INTERACTIVITY_TEXT&quot;,&quot;DCT_INTERACTIVITY_SEMIBOLD_TEXT&quot;],&quot;dynamicPlain&quot;:[&quot;DCT_HYPERLINK_TOOLTIP&quot;],&quot;static&quot;:[&quot;Next&quot;,&quot;0123456789.,x&quot;,&quot;Speed&quot;,&quot;Yes&quot;,&quot;No&quot;,&quot;OK&quot;,&quot;Do you want to resume where you left off?&quot;,&quot;Complete the slide to go to the next one.&quot;,&quot;You can only view slides in order.&quot;,&quot;To advance to the next slide, complete this quiz.&quot;,&quot;To advance to this slide, you need to pass the quiz on slide %SLIDE_INDEX%.&quot;,&quot;To advance to this slide, complete the quiz on slide %SLIDE_INDEX%.&quot;,&quot;You haven't passed the quiz on slide %SLIDE_INDEX% and can't advance to the next slide.&quot;,&quot;To advance to the next slide, complete this interaction.&quot;,&quot;To advance to the next slide, complete this role-play.&quot;,&quot;To advance to this slide, you need to pass the role-play on slide %SLIDE_INDEX%.&quot;,&quot;To advance to this slide, complete the role-play on slide %SLIDE_INDEX%.&quot;,&quot;You haven't passed the role-play on slide %SLIDE_INDEX% and can't advance to the next slide.&quot;,&quot;Enter the password to view this presentation.&quot;,&quot;Incorrect password.&quot;,&quot;Sorry, the content author has prohibited sharing the presentation on this domain.&quot;,&quot;Sorry, the content author has prohibited viewing the presentation at this time.&quot;,&quot;Go back&quot;]},&quot;embedName&quot;:&quot;nPFnsbi&quot;,&quot;fontFamily&quot;:&quot;Arial&quot;,&quot;isBold&quot;:false,&quot;isItalic&quot;:true,&quot;isSemibold&quot;:true,&quot;substituteFontFamily&quot;:&quot;Arial&quot;}],&quot;interactivity&quot;:{&quot;fullSupport&quot;:true}}}},&quot;ceipData&quot;:{&quot;playerMessages&quot;:&quot;builtin.en&quot;,&quot;playerNavigationAcceleration&quot;:true,&quot;playerNavigationAutoStart&quot;:true,&quot;playerNavigationEnableKeyboardNavigation&quot;:true,&quot;playerNavigationOnRestart&quot;:&quot;prompt&quot;,&quot;playerNavigationSaveAnimationStates&quot;:true,&quot;playerNavigationType&quot;:&quot;free&quot;,&quot;playerTheme&quot;:&quot;builtin.lightBlue&quot;,&quot;playerThemeBorderRadius&quot;:10,&quot;playerThemeColorScheme&quot;:&quot;builtin.lightBlue&quot;,&quot;playerThemeFont&quot;:&quot;Arial&quot;}}}"/>
+  <p:tag name="ISPRING_OUTPUT_FOLDER" val="[[&quot;\uFFFD\uFFFDzV{57C549E0-46E2-4BE2-A8C6-FFFABDEA4AE1}&quot;,&quot;C:\\Users\\hp\\Desktop\\Projects\\Nabad\\Nabad\\safeguarding\\en\\lessons&quot;],[&quot;N\uFFFD\u0018\u0012{FE710B7D-E998-49F5-8687-981FF794AE92}&quot;,&quot;C:\\Users\\pc\\Desktop\\Nabad\\safeguarding\\en\\lessons&quot;]]"/>
+  <p:tag name="ISPRING_RESOURCE_FOLDER" val="C:\Users\hp\Desktop\Projects\Nabad\Nabad\safeguarding\en\lessons\definitions_1\"/>
+  <p:tag name="ISPRING_RESOURCE_FOLDER_STATIC" val="C:\Users\hp\Desktop\Projects\Nabad\Nabad\safeguarding\en\lessons\definitions_1\"/>
+  <p:tag name="ISPRING_PRESENTATION_PATH" val="C:\Users\hp\Desktop\Projects\Nabad\Nabad\safeguarding\en\lessons\definitions.pptx"/>
   <p:tag name="ISPRING_SCORM_ENDPOINT" val="&lt;endpoint&gt;&lt;enable&gt;0&lt;/enable&gt;&lt;lrs&gt;https://&lt;/lrs&gt;&lt;auth&gt;0&lt;/auth&gt;&lt;login&gt;&lt;/login&gt;&lt;password&gt;&lt;/password&gt;&lt;key&gt;&lt;/key&gt;&lt;name&gt;&lt;/name&gt;&lt;email&gt;&lt;/email&gt;&lt;/endpoint&gt;&#10;"/>
-  <p:tag name="ISPRING_OUTPUT_FOLDER" val="[[&quot;\uFFFD\uFFFDzV{57C549E0-46E2-4BE2-A8C6-FFFABDEA4AE1}&quot;,&quot;C:\\Users\\hp\\Desktop\\Projects\\Nabad\\Nabad\\safeguarding\\en\\lessons&quot;],[&quot;N\uFFFD\u0018\u0012{FE710B7D-E998-49F5-8687-981FF794AE92}&quot;,&quot;C:\\Users\\pc\\Desktop\\Nabad\\safeguarding\\en\\lessons&quot;]]"/>
 </p:tagLst>
 </file>
 
@@ -3503,9 +3564,9 @@
   <p:tag name="ISPRING_QUIZ_SHAPES_ADDED" val="1"/>
   <p:tag name="ISPRING_RESOURCE_QUIZ" val="quiz1.quiz"/>
   <p:tag name="GENSWF_SLIDE_UID" val="{99948010-F83B-4BBF-96E5-26576C385100}:350"/>
+  <p:tag name="ISPRING_QUIZ_FULL_PATH" val="C:\Users\hp\Desktop\Projects\Nabad\Nabad\safeguarding\en\lessons\definitions_1\quiz\quiz1.quiz"/>
+  <p:tag name="ISPRING_QUIZ_RELATIVE_PATH" val="definitions_1\quiz\quiz1.quiz"/>
   <p:tag name="ISPRING_SLIDE_BRANCHING_PROPERTIES" val="&lt;BranchingProperties&gt;&lt;nextAction&gt;&lt;action&gt;2&lt;/action&gt;&lt;slide&gt;349&lt;/slide&gt;&lt;/nextAction&gt;&lt;prevAction&gt;&lt;action&gt;0&lt;/action&gt;&lt;/prevAction&gt;&lt;lock&gt;0&lt;/lock&gt;&lt;/BranchingProperties&gt;&#10;"/>
-  <p:tag name="ISPRING_QUIZ_FULL_PATH" val="C:\Users\pc\Desktop\Nabad\safeguarding\en\lessons\definition\quiz\quiz1.quiz"/>
-  <p:tag name="ISPRING_QUIZ_RELATIVE_PATH" val="definition\quiz\quiz1.quiz"/>
 </p:tagLst>
 </file>
 
@@ -3515,8 +3576,8 @@
   <p:tag name="ISPRING_CUSTOM_TIMING_USED" val="1"/>
   <p:tag name="ISPRING_SLIDE_ID_2" val="{42707736-AD57-4B34-8145-5B9D71B23F3E}"/>
   <p:tag name="GENSWF_ADVANCE_TIME" val="0.000"/>
+  <p:tag name="GENSWF_SLIDE_UID" val="{74944435-17E6-429E-97ED-97D577707607}:351"/>
   <p:tag name="ISPRING_SLIDE_BRANCHING_PROPERTIES" val="&lt;BranchingProperties&gt;&lt;nextAction&gt;&lt;action&gt;2&lt;/action&gt;&lt;slide&gt;349&lt;/slide&gt;&lt;/nextAction&gt;&lt;prevAction&gt;&lt;action&gt;0&lt;/action&gt;&lt;/prevAction&gt;&lt;lock&gt;1&lt;/lock&gt;&lt;/BranchingProperties&gt;&#10;"/>
-  <p:tag name="GENSWF_SLIDE_UID" val="{74944435-17E6-429E-97ED-97D577707607}:351"/>
 </p:tagLst>
 </file>
 
